--- a/gra_manabe/卒論関係/卒論プレゼン.pptx
+++ b/gra_manabe/卒論関係/卒論プレゼン.pptx
@@ -3739,8 +3739,8 @@
     <dgm:cxn modelId="{40BC3357-A841-4B9B-B325-A92E37BBFD3B}" srcId="{349742D3-7C15-491C-A57C-071288FAF507}" destId="{40EC2FF7-8D30-4684-953B-5353D24AB252}" srcOrd="0" destOrd="0" parTransId="{A4ED52B3-943A-488A-B2F6-3665F1D4E576}" sibTransId="{720574FE-FEEC-45A9-A8EE-7AE9B5FDAF42}"/>
     <dgm:cxn modelId="{EB307F75-27A6-4B13-BBB8-1E7F5863D396}" srcId="{40EC2FF7-8D30-4684-953B-5353D24AB252}" destId="{BECD88D3-D98C-44D9-A74D-4A54E4B848C1}" srcOrd="1" destOrd="0" parTransId="{7EB5F6DA-2699-492B-872E-914188799538}" sibTransId="{9BF012F4-BA8B-4C77-AAEB-917CC56A042C}"/>
     <dgm:cxn modelId="{EFF1F356-9D26-4820-BCCA-A4CCEC493A17}" type="presOf" srcId="{349742D3-7C15-491C-A57C-071288FAF507}" destId="{D27424EB-6B88-461E-A9C7-2108888B795A}" srcOrd="0" destOrd="0" presId="urn:microsoft.com/office/officeart/2005/8/layout/hList1"/>
+    <dgm:cxn modelId="{8C5C15F6-89C2-4320-ADEC-DD69DE84D1DD}" type="presOf" srcId="{03B3FD47-D917-4C51-904C-FA98E07B6FCE}" destId="{8AFC59EB-5A41-405E-98C3-9C66242C4364}" srcOrd="0" destOrd="0" presId="urn:microsoft.com/office/officeart/2005/8/layout/hList1"/>
     <dgm:cxn modelId="{8FFC1905-B6DF-4E44-A2ED-BC40E31D7C19}" srcId="{40EC2FF7-8D30-4684-953B-5353D24AB252}" destId="{03B3FD47-D917-4C51-904C-FA98E07B6FCE}" srcOrd="0" destOrd="0" parTransId="{230568E9-E294-4B18-89CE-CEB6618B0A7A}" sibTransId="{3C887774-3FD4-4F88-B32F-94F233C077A7}"/>
-    <dgm:cxn modelId="{8C5C15F6-89C2-4320-ADEC-DD69DE84D1DD}" type="presOf" srcId="{03B3FD47-D917-4C51-904C-FA98E07B6FCE}" destId="{8AFC59EB-5A41-405E-98C3-9C66242C4364}" srcOrd="0" destOrd="0" presId="urn:microsoft.com/office/officeart/2005/8/layout/hList1"/>
     <dgm:cxn modelId="{E0422ED5-4B6B-496D-AB76-6BE594DEEDA9}" type="presOf" srcId="{40EC2FF7-8D30-4684-953B-5353D24AB252}" destId="{79295A45-6E0B-4BAD-942D-1396CF9D22D9}" srcOrd="0" destOrd="0" presId="urn:microsoft.com/office/officeart/2005/8/layout/hList1"/>
     <dgm:cxn modelId="{A28B4C0E-BE28-4172-AF96-B85809B143B9}" type="presOf" srcId="{9973FC79-DD54-4CEC-A5D2-348342277555}" destId="{8AFC59EB-5A41-405E-98C3-9C66242C4364}" srcOrd="0" destOrd="2" presId="urn:microsoft.com/office/officeart/2005/8/layout/hList1"/>
     <dgm:cxn modelId="{FBE5BB6B-B79A-4621-98C7-1A42938AE6EF}" srcId="{40EC2FF7-8D30-4684-953B-5353D24AB252}" destId="{9973FC79-DD54-4CEC-A5D2-348342277555}" srcOrd="2" destOrd="0" parTransId="{C17F99B8-F597-4923-A469-F4687A53E1AF}" sibTransId="{B24DA0E9-2C77-4293-B539-59107D5F5F63}"/>
@@ -3954,8 +3954,8 @@
     <dgm:cxn modelId="{EFF1F356-9D26-4820-BCCA-A4CCEC493A17}" type="presOf" srcId="{349742D3-7C15-491C-A57C-071288FAF507}" destId="{D27424EB-6B88-461E-A9C7-2108888B795A}" srcOrd="0" destOrd="0" presId="urn:microsoft.com/office/officeart/2005/8/layout/hList1"/>
     <dgm:cxn modelId="{40BC3357-A841-4B9B-B325-A92E37BBFD3B}" srcId="{349742D3-7C15-491C-A57C-071288FAF507}" destId="{40EC2FF7-8D30-4684-953B-5353D24AB252}" srcOrd="0" destOrd="0" parTransId="{A4ED52B3-943A-488A-B2F6-3665F1D4E576}" sibTransId="{720574FE-FEEC-45A9-A8EE-7AE9B5FDAF42}"/>
     <dgm:cxn modelId="{4A486BAA-3325-4144-8309-7551BB0E06E3}" srcId="{40EC2FF7-8D30-4684-953B-5353D24AB252}" destId="{8F26C5F0-2360-4495-AD88-828AB9083AEE}" srcOrd="0" destOrd="0" parTransId="{F70F4D4E-B98B-4F8F-8565-2CA18B62FBDE}" sibTransId="{AF96E54A-0473-4B3D-A225-876883A67457}"/>
+    <dgm:cxn modelId="{E0422ED5-4B6B-496D-AB76-6BE594DEEDA9}" type="presOf" srcId="{40EC2FF7-8D30-4684-953B-5353D24AB252}" destId="{79295A45-6E0B-4BAD-942D-1396CF9D22D9}" srcOrd="0" destOrd="0" presId="urn:microsoft.com/office/officeart/2005/8/layout/hList1"/>
     <dgm:cxn modelId="{63DBC492-9DCD-4CA7-80E1-7CF4288F081E}" srcId="{40EC2FF7-8D30-4684-953B-5353D24AB252}" destId="{872580C2-359C-43A1-9FB0-CBF4785AB609}" srcOrd="1" destOrd="0" parTransId="{0701FE14-63C4-4D14-9EBB-DB7F74FB9A0E}" sibTransId="{0F590DF7-E1EF-40B4-9EC8-1333D2E338CD}"/>
-    <dgm:cxn modelId="{E0422ED5-4B6B-496D-AB76-6BE594DEEDA9}" type="presOf" srcId="{40EC2FF7-8D30-4684-953B-5353D24AB252}" destId="{79295A45-6E0B-4BAD-942D-1396CF9D22D9}" srcOrd="0" destOrd="0" presId="urn:microsoft.com/office/officeart/2005/8/layout/hList1"/>
     <dgm:cxn modelId="{36CD8503-9198-47D6-8C6B-0F601A436603}" type="presOf" srcId="{872580C2-359C-43A1-9FB0-CBF4785AB609}" destId="{8AFC59EB-5A41-405E-98C3-9C66242C4364}" srcOrd="0" destOrd="1" presId="urn:microsoft.com/office/officeart/2005/8/layout/hList1"/>
     <dgm:cxn modelId="{0AC59C0B-505E-47E8-BE51-99D4E02D0167}" type="presParOf" srcId="{D27424EB-6B88-461E-A9C7-2108888B795A}" destId="{BF87E8A3-CC51-48B4-AE3F-B5CCC7ADCAFB}" srcOrd="0" destOrd="0" presId="urn:microsoft.com/office/officeart/2005/8/layout/hList1"/>
     <dgm:cxn modelId="{3D153B76-7A00-4B19-9F24-50CCB075610B}" type="presParOf" srcId="{BF87E8A3-CC51-48B4-AE3F-B5CCC7ADCAFB}" destId="{79295A45-6E0B-4BAD-942D-1396CF9D22D9}" srcOrd="0" destOrd="0" presId="urn:microsoft.com/office/officeart/2005/8/layout/hList1"/>
@@ -9214,7 +9214,7 @@
           <a:p>
             <a:fld id="{C1DA91BF-6AB8-4AB0-95FB-F86FB88EBE86}" type="datetimeFigureOut">
               <a:rPr kumimoji="1" lang="ja-JP" altLang="en-US" smtClean="0"/>
-              <a:t>2020/2/11</a:t>
+              <a:t>2020/2/12</a:t>
             </a:fld>
             <a:endParaRPr kumimoji="1" lang="ja-JP" altLang="en-US"/>
           </a:p>
@@ -9379,7 +9379,7 @@
           <a:p>
             <a:fld id="{0649F128-D4FC-489C-860B-9DD0AB1578C1}" type="datetimeFigureOut">
               <a:rPr kumimoji="1" lang="ja-JP" altLang="en-US" smtClean="0"/>
-              <a:t>2020/2/11</a:t>
+              <a:t>2020/2/12</a:t>
             </a:fld>
             <a:endParaRPr kumimoji="1" lang="ja-JP" altLang="en-US"/>
           </a:p>
@@ -12693,11 +12693,7 @@
           <a:p>
             <a:r>
               <a:rPr kumimoji="1" lang="ja-JP" altLang="en-US" smtClean="0"/>
-              <a:t>研究背景としましては、現在日本では少子高齢化が進んでおり、働き手が減少しております。普段私たちが使用しているスーパーマーケットでは、人手不足対策としてセルフレジの導入を進めております</a:t>
-            </a:r>
-            <a:r>
-              <a:rPr kumimoji="1" lang="ja-JP" altLang="en-US" smtClean="0"/>
-              <a:t>。</a:t>
+              <a:t>研究背景としましては、現在日本では少子高齢化が進んでおり、働き手が減少しております。普段私たちが使用しているスーパーマーケットでは、人手不足対策としてセルフレジの導入を進めております。</a:t>
             </a:r>
             <a:endParaRPr kumimoji="1" lang="en-US" altLang="ja-JP" smtClean="0"/>
           </a:p>
@@ -13846,7 +13842,7 @@
           <a:p>
             <a:fld id="{4DB34049-4C60-4FA3-9E3E-A872660373D4}" type="datetime1">
               <a:rPr kumimoji="1" lang="ja-JP" altLang="en-US" smtClean="0"/>
-              <a:t>2020/2/11</a:t>
+              <a:t>2020/2/12</a:t>
             </a:fld>
             <a:endParaRPr kumimoji="1" lang="ja-JP" altLang="en-US"/>
           </a:p>
@@ -14093,7 +14089,7 @@
           <a:p>
             <a:fld id="{B2B1C8DF-EAB5-43F7-8462-42F0F4F3EEAD}" type="datetime1">
               <a:rPr kumimoji="1" lang="ja-JP" altLang="en-US" smtClean="0"/>
-              <a:t>2020/2/11</a:t>
+              <a:t>2020/2/12</a:t>
             </a:fld>
             <a:endParaRPr kumimoji="1" lang="ja-JP" altLang="en-US"/>
           </a:p>
@@ -14388,7 +14384,7 @@
           <a:p>
             <a:fld id="{E4AF5F8E-C413-4E10-B014-B9E3DDF4AA8A}" type="datetime1">
               <a:rPr kumimoji="1" lang="ja-JP" altLang="en-US" smtClean="0"/>
-              <a:t>2020/2/11</a:t>
+              <a:t>2020/2/12</a:t>
             </a:fld>
             <a:endParaRPr kumimoji="1" lang="ja-JP" altLang="en-US"/>
           </a:p>
@@ -14617,7 +14613,7 @@
           <a:p>
             <a:fld id="{EBED1F3E-ACA0-4F95-987E-01D568505390}" type="datetime1">
               <a:rPr kumimoji="1" lang="ja-JP" altLang="en-US" smtClean="0"/>
-              <a:t>2020/2/11</a:t>
+              <a:t>2020/2/12</a:t>
             </a:fld>
             <a:endParaRPr kumimoji="1" lang="ja-JP" altLang="en-US"/>
           </a:p>
@@ -14972,7 +14968,7 @@
           <a:p>
             <a:fld id="{B6DE9BDE-30E7-491D-AD22-7D2FB58F7AD6}" type="datetime1">
               <a:rPr kumimoji="1" lang="ja-JP" altLang="en-US" smtClean="0"/>
-              <a:t>2020/2/11</a:t>
+              <a:t>2020/2/12</a:t>
             </a:fld>
             <a:endParaRPr kumimoji="1" lang="ja-JP" altLang="en-US"/>
           </a:p>
@@ -15358,7 +15354,7 @@
           <a:p>
             <a:fld id="{01C14695-FF6C-4395-B911-F0729EE23D79}" type="datetime1">
               <a:rPr lang="ja-JP" altLang="en-US" smtClean="0"/>
-              <a:t>2020/2/11</a:t>
+              <a:t>2020/2/12</a:t>
             </a:fld>
             <a:endParaRPr lang="ja-JP" altLang="en-US"/>
           </a:p>
@@ -15849,7 +15845,7 @@
           <a:p>
             <a:fld id="{6D69C187-8977-41F7-95DA-2528A3317C68}" type="datetime1">
               <a:rPr kumimoji="1" lang="ja-JP" altLang="en-US" smtClean="0"/>
-              <a:t>2020/2/11</a:t>
+              <a:t>2020/2/12</a:t>
             </a:fld>
             <a:endParaRPr kumimoji="1" lang="ja-JP" altLang="en-US"/>
           </a:p>
@@ -15974,7 +15970,7 @@
           <a:p>
             <a:fld id="{2300910F-F157-4918-8BCF-E20DCDAE6C36}" type="datetime1">
               <a:rPr kumimoji="1" lang="ja-JP" altLang="en-US" smtClean="0"/>
-              <a:t>2020/2/11</a:t>
+              <a:t>2020/2/12</a:t>
             </a:fld>
             <a:endParaRPr kumimoji="1" lang="ja-JP" altLang="en-US"/>
           </a:p>
@@ -16152,7 +16148,7 @@
           <a:p>
             <a:fld id="{D87FC5CB-9D3B-49FC-80CB-278BB2E2E7E8}" type="datetime1">
               <a:rPr kumimoji="1" lang="ja-JP" altLang="en-US" smtClean="0"/>
-              <a:t>2020/2/11</a:t>
+              <a:t>2020/2/12</a:t>
             </a:fld>
             <a:endParaRPr kumimoji="1" lang="ja-JP" altLang="en-US"/>
           </a:p>
@@ -16545,7 +16541,7 @@
           <a:p>
             <a:fld id="{F700B2C0-68FC-49CF-B0BB-3155B45D6910}" type="datetime1">
               <a:rPr kumimoji="1" lang="ja-JP" altLang="en-US" smtClean="0"/>
-              <a:t>2020/2/11</a:t>
+              <a:t>2020/2/12</a:t>
             </a:fld>
             <a:endParaRPr kumimoji="1" lang="ja-JP" altLang="en-US"/>
           </a:p>
@@ -16922,7 +16918,7 @@
           <a:p>
             <a:fld id="{7A1233B6-6B32-4459-9D83-2853E0269600}" type="datetime1">
               <a:rPr kumimoji="1" lang="ja-JP" altLang="en-US" smtClean="0"/>
-              <a:t>2020/2/11</a:t>
+              <a:t>2020/2/12</a:t>
             </a:fld>
             <a:endParaRPr kumimoji="1" lang="ja-JP" altLang="en-US"/>
           </a:p>
@@ -17241,7 +17237,7 @@
           <a:p>
             <a:fld id="{5033D987-17AA-4DBB-A451-16E4C533DF6A}" type="datetime1">
               <a:rPr kumimoji="1" lang="ja-JP" altLang="en-US" smtClean="0"/>
-              <a:t>2020/2/11</a:t>
+              <a:t>2020/2/12</a:t>
             </a:fld>
             <a:endParaRPr kumimoji="1" lang="ja-JP" altLang="en-US"/>
           </a:p>
@@ -20168,11 +20164,7 @@
             </a:pPr>
             <a:r>
               <a:rPr kumimoji="1" lang="ja-JP" altLang="en-US" sz="4000" smtClean="0"/>
-              <a:t>　研究</a:t>
-            </a:r>
-            <a:r>
-              <a:rPr kumimoji="1" lang="ja-JP" altLang="en-US" sz="4000" smtClean="0"/>
-              <a:t>目的・目標</a:t>
+              <a:t>　研究目的・目標</a:t>
             </a:r>
             <a:endParaRPr kumimoji="1" lang="en-US" altLang="ja-JP" sz="4000" smtClean="0"/>
           </a:p>
@@ -20198,11 +20190,7 @@
             </a:pPr>
             <a:r>
               <a:rPr lang="ja-JP" altLang="en-US" sz="4000" smtClean="0"/>
-              <a:t>　</a:t>
-            </a:r>
-            <a:r>
-              <a:rPr lang="ja-JP" altLang="en-US" sz="4000" smtClean="0"/>
-              <a:t>実装・検証</a:t>
+              <a:t>　実装・検証</a:t>
             </a:r>
             <a:endParaRPr lang="en-US" altLang="ja-JP" sz="4000" smtClean="0"/>
           </a:p>
@@ -20213,11 +20201,7 @@
             </a:pPr>
             <a:r>
               <a:rPr lang="ja-JP" altLang="en-US" sz="4000" smtClean="0"/>
-              <a:t>　</a:t>
-            </a:r>
-            <a:r>
-              <a:rPr lang="ja-JP" altLang="en-US" sz="4000" smtClean="0"/>
-              <a:t>評価・考察</a:t>
+              <a:t>　評価・考察</a:t>
             </a:r>
             <a:endParaRPr lang="en-US" altLang="ja-JP" sz="4000" smtClean="0"/>
           </a:p>
@@ -21409,16 +21393,11 @@
               <a:rPr lang="en-US" altLang="ja-JP" sz="2800" b="1" smtClean="0"/>
               <a:t>】</a:t>
             </a:r>
-            <a:endParaRPr lang="en-US" altLang="ja-JP" sz="2800" b="1" smtClean="0"/>
           </a:p>
           <a:p>
             <a:r>
               <a:rPr lang="ja-JP" altLang="en-US" sz="3200"/>
-              <a:t>既存の無人レジ店舗の</a:t>
-            </a:r>
-            <a:r>
-              <a:rPr lang="ja-JP" altLang="en-US" sz="3200"/>
-              <a:t>よう</a:t>
+              <a:t>既存の無人レジ店舗のよう</a:t>
             </a:r>
             <a:r>
               <a:rPr lang="ja-JP" altLang="en-US" sz="3200" smtClean="0"/>
@@ -21426,11 +21405,7 @@
             </a:r>
             <a:r>
               <a:rPr lang="ja-JP" altLang="en-US" sz="3200"/>
-              <a:t>で高価なシステムでは</a:t>
-            </a:r>
-            <a:r>
-              <a:rPr lang="ja-JP" altLang="en-US" sz="3200"/>
-              <a:t>なく</a:t>
+              <a:t>で高価なシステムではなく</a:t>
             </a:r>
             <a:r>
               <a:rPr lang="ja-JP" altLang="en-US" sz="3200" smtClean="0"/>
@@ -21438,11 +21413,7 @@
             </a:r>
             <a:r>
               <a:rPr lang="ja-JP" altLang="en-US" sz="3200"/>
-              <a:t>や中規模の企業でも導入できる安価</a:t>
-            </a:r>
-            <a:r>
-              <a:rPr lang="ja-JP" altLang="en-US" sz="3200"/>
-              <a:t>な</a:t>
+              <a:t>や中規模の企業でも導入できる安価な</a:t>
             </a:r>
             <a:r>
               <a:rPr lang="ja-JP" altLang="en-US" sz="3200" smtClean="0"/>
